--- a/汇编语言/汇编作业-有自己的修改.pptx
+++ b/汇编语言/汇编作业-有自己的修改.pptx
@@ -30,12 +30,11 @@
     <p:sldId id="282" r:id="rId24"/>
     <p:sldId id="281" r:id="rId25"/>
     <p:sldId id="275" r:id="rId26"/>
-    <p:sldId id="276" r:id="rId27"/>
+    <p:sldId id="287" r:id="rId27"/>
     <p:sldId id="277" r:id="rId28"/>
-    <p:sldId id="278" r:id="rId29"/>
-    <p:sldId id="274" r:id="rId30"/>
-    <p:sldId id="307" r:id="rId31"/>
-    <p:sldId id="308" r:id="rId32"/>
+    <p:sldId id="290" r:id="rId29"/>
+    <p:sldId id="278" r:id="rId30"/>
+    <p:sldId id="274" r:id="rId31"/>
   </p:sldIdLst>
   <p:sldSz cx="9144000" cy="6858000" type="screen4x3"/>
   <p:notesSz cx="6858000" cy="9144000"/>
@@ -340,7 +339,7 @@
           <a:p>
             <a:fld id="{C2733306-3158-4ADF-94ED-F234710C9FC6}" type="datetimeFigureOut">
               <a:rPr lang="zh-CN" altLang="en-US" smtClean="0"/>
-              <a:t>2022/11/1</a:t>
+              <a:t>2022/12/1</a:t>
             </a:fld>
             <a:endParaRPr lang="zh-CN" altLang="en-US"/>
           </a:p>
@@ -611,7 +610,7 @@
           <a:p>
             <a:fld id="{C2733306-3158-4ADF-94ED-F234710C9FC6}" type="datetimeFigureOut">
               <a:rPr lang="zh-CN" altLang="en-US" smtClean="0"/>
-              <a:t>2022/11/1</a:t>
+              <a:t>2022/12/1</a:t>
             </a:fld>
             <a:endParaRPr lang="zh-CN" altLang="en-US"/>
           </a:p>
@@ -798,7 +797,7 @@
           <a:p>
             <a:fld id="{C2733306-3158-4ADF-94ED-F234710C9FC6}" type="datetimeFigureOut">
               <a:rPr lang="zh-CN" altLang="en-US" smtClean="0"/>
-              <a:t>2022/11/1</a:t>
+              <a:t>2022/12/1</a:t>
             </a:fld>
             <a:endParaRPr lang="zh-CN" altLang="en-US"/>
           </a:p>
@@ -995,7 +994,7 @@
           <a:p>
             <a:fld id="{C2733306-3158-4ADF-94ED-F234710C9FC6}" type="datetimeFigureOut">
               <a:rPr lang="zh-CN" altLang="en-US" smtClean="0"/>
-              <a:t>2022/11/1</a:t>
+              <a:t>2022/12/1</a:t>
             </a:fld>
             <a:endParaRPr lang="zh-CN" altLang="en-US"/>
           </a:p>
@@ -1419,7 +1418,7 @@
           <a:p>
             <a:fld id="{C2733306-3158-4ADF-94ED-F234710C9FC6}" type="datetimeFigureOut">
               <a:rPr lang="zh-CN" altLang="en-US" smtClean="0"/>
-              <a:t>2022/11/1</a:t>
+              <a:t>2022/12/1</a:t>
             </a:fld>
             <a:endParaRPr lang="zh-CN" altLang="en-US"/>
           </a:p>
@@ -1723,7 +1722,7 @@
           <a:p>
             <a:fld id="{C2733306-3158-4ADF-94ED-F234710C9FC6}" type="datetimeFigureOut">
               <a:rPr lang="zh-CN" altLang="en-US" smtClean="0"/>
-              <a:t>2022/11/1</a:t>
+              <a:t>2022/12/1</a:t>
             </a:fld>
             <a:endParaRPr lang="zh-CN" altLang="en-US"/>
           </a:p>
@@ -2161,7 +2160,7 @@
           <a:p>
             <a:fld id="{C2733306-3158-4ADF-94ED-F234710C9FC6}" type="datetimeFigureOut">
               <a:rPr lang="zh-CN" altLang="en-US" smtClean="0"/>
-              <a:t>2022/11/1</a:t>
+              <a:t>2022/12/1</a:t>
             </a:fld>
             <a:endParaRPr lang="zh-CN" altLang="en-US"/>
           </a:p>
@@ -2297,7 +2296,7 @@
           <a:p>
             <a:fld id="{C2733306-3158-4ADF-94ED-F234710C9FC6}" type="datetimeFigureOut">
               <a:rPr lang="zh-CN" altLang="en-US" smtClean="0"/>
-              <a:t>2022/11/1</a:t>
+              <a:t>2022/12/1</a:t>
             </a:fld>
             <a:endParaRPr lang="zh-CN" altLang="en-US"/>
           </a:p>
@@ -2411,7 +2410,7 @@
           <a:p>
             <a:fld id="{C2733306-3158-4ADF-94ED-F234710C9FC6}" type="datetimeFigureOut">
               <a:rPr lang="zh-CN" altLang="en-US" smtClean="0"/>
-              <a:t>2022/11/1</a:t>
+              <a:t>2022/12/1</a:t>
             </a:fld>
             <a:endParaRPr lang="zh-CN" altLang="en-US"/>
           </a:p>
@@ -2705,7 +2704,7 @@
           <a:p>
             <a:fld id="{C2733306-3158-4ADF-94ED-F234710C9FC6}" type="datetimeFigureOut">
               <a:rPr lang="zh-CN" altLang="en-US" smtClean="0"/>
-              <a:t>2022/11/1</a:t>
+              <a:t>2022/12/1</a:t>
             </a:fld>
             <a:endParaRPr lang="zh-CN" altLang="en-US"/>
           </a:p>
@@ -4751,7 +4750,7 @@
           <a:graphicData uri="http://schemas.openxmlformats.org/presentationml/2006/ole">
             <mc:AlternateContent xmlns:mc="http://schemas.openxmlformats.org/markup-compatibility/2006">
               <mc:Choice xmlns:v="urn:schemas-microsoft-com:vml" Requires="v">
-                <p:oleObj spid="_x0000_s1042" r:id="rId3" imgW="1647825" imgH="5057775" progId="Paint.Picture">
+                <p:oleObj spid="_x0000_s1043" r:id="rId3" imgW="1647825" imgH="5057775" progId="Paint.Picture">
                   <p:embed/>
                 </p:oleObj>
               </mc:Choice>
@@ -7059,7 +7058,9 @@
         </p:nvSpPr>
         <p:spPr/>
         <p:txBody>
-          <a:bodyPr/>
+          <a:bodyPr>
+            <a:normAutofit/>
+          </a:bodyPr>
           <a:lstStyle/>
           <a:p>
             <a:pPr marL="0" indent="0">
@@ -7102,9 +7103,44 @@
             </a:r>
             <a:r>
               <a:rPr lang="en-US" altLang="zh-CN" dirty="0" err="1"/>
-              <a:t>ax,data</a:t>
-            </a:r>
-            <a:endParaRPr lang="en-US" altLang="zh-CN" dirty="0"/>
+              <a:t>ax,data	</a:t>
+            </a:r>
+            <a:r>
+              <a:rPr lang="en-US" altLang="zh-CN" sz="2400" dirty="0" err="1">
+                <a:solidFill>
+                  <a:srgbClr val="FF0000"/>
+                </a:solidFill>
+                <a:uFillTx/>
+              </a:rPr>
+              <a:t>;</a:t>
+            </a:r>
+            <a:r>
+              <a:rPr lang="zh-CN" altLang="en-US" sz="2400" dirty="0" err="1">
+                <a:solidFill>
+                  <a:srgbClr val="FF0000"/>
+                </a:solidFill>
+                <a:uFillTx/>
+              </a:rPr>
+              <a:t>题目没有交代清楚段名，但不能是</a:t>
+            </a:r>
+            <a:r>
+              <a:rPr lang="en-US" altLang="zh-CN" sz="2400" dirty="0" err="1">
+                <a:solidFill>
+                  <a:srgbClr val="FF0000"/>
+                </a:solidFill>
+                <a:uFillTx/>
+              </a:rPr>
+              <a:t>data1</a:t>
+            </a:r>
+            <a:r>
+              <a:rPr lang="en-US" altLang="zh-CN" dirty="0">
+                <a:solidFill>
+                  <a:srgbClr val="FF0000"/>
+                </a:solidFill>
+                <a:uFillTx/>
+              </a:rPr>
+              <a:t>	</a:t>
+            </a:r>
           </a:p>
           <a:p>
             <a:pPr marL="0" indent="0">
@@ -7143,8 +7179,59 @@
             </a:r>
             <a:r>
               <a:rPr lang="en-US" altLang="zh-CN" dirty="0"/>
-              <a:t>	bx,data2</a:t>
-            </a:r>
+              <a:t>	bx,data2	</a:t>
+            </a:r>
+            <a:r>
+              <a:rPr lang="en-US" altLang="zh-CN" sz="2400" dirty="0" err="1">
+                <a:solidFill>
+                  <a:srgbClr val="FF0000"/>
+                </a:solidFill>
+                <a:uFillTx/>
+                <a:sym typeface="+mn-ea"/>
+              </a:rPr>
+              <a:t>;</a:t>
+            </a:r>
+            <a:r>
+              <a:rPr lang="zh-CN" altLang="en-US" sz="2400" dirty="0" err="1">
+                <a:solidFill>
+                  <a:srgbClr val="FF0000"/>
+                </a:solidFill>
+                <a:uFillTx/>
+                <a:sym typeface="+mn-ea"/>
+              </a:rPr>
+              <a:t>如果认为第一个是指</a:t>
+            </a:r>
+            <a:r>
+              <a:rPr lang="en-US" altLang="zh-CN" sz="2400" dirty="0" err="1">
+                <a:solidFill>
+                  <a:srgbClr val="FF0000"/>
+                </a:solidFill>
+                <a:uFillTx/>
+                <a:sym typeface="+mn-ea"/>
+              </a:rPr>
+              <a:t>0</a:t>
+            </a:r>
+            <a:r>
+              <a:rPr lang="zh-CN" altLang="en-US" sz="2400" dirty="0" err="1">
+                <a:solidFill>
+                  <a:srgbClr val="FF0000"/>
+                </a:solidFill>
+                <a:uFillTx/>
+                <a:sym typeface="+mn-ea"/>
+              </a:rPr>
+              <a:t>开始序号，则</a:t>
+            </a:r>
+            <a:r>
+              <a:rPr lang="en-US" altLang="zh-CN" sz="2400" dirty="0" err="1">
+                <a:solidFill>
+                  <a:srgbClr val="FF0000"/>
+                </a:solidFill>
+                <a:uFillTx/>
+                <a:sym typeface="+mn-ea"/>
+              </a:rPr>
+              <a:t>+2</a:t>
+            </a:r>
+            <a:endParaRPr lang="en-US" altLang="zh-CN" sz="2400" dirty="0"/>
           </a:p>
           <a:p>
             <a:pPr marL="0" indent="0">
@@ -7175,7 +7262,105 @@
               <a:rPr lang="en-US" altLang="zh-CN" dirty="0"/>
               <a:t> data2</a:t>
             </a:r>
-            <a:endParaRPr lang="zh-CN" altLang="en-US" dirty="0"/>
+            <a:r>
+              <a:rPr lang="en-US" altLang="zh-CN" sz="2400" dirty="0" err="1">
+                <a:solidFill>
+                  <a:srgbClr val="FF0000"/>
+                </a:solidFill>
+                <a:uFillTx/>
+                <a:sym typeface="+mn-ea"/>
+              </a:rPr>
+              <a:t>;</a:t>
+            </a:r>
+            <a:r>
+              <a:rPr lang="zh-CN" altLang="en-US" sz="2400" dirty="0" err="1">
+                <a:solidFill>
+                  <a:srgbClr val="FF0000"/>
+                </a:solidFill>
+                <a:uFillTx/>
+                <a:sym typeface="+mn-ea"/>
+              </a:rPr>
+              <a:t>正好符合使用</a:t>
+            </a:r>
+            <a:r>
+              <a:rPr lang="en-US" altLang="zh-CN" sz="2400" dirty="0" err="1">
+                <a:solidFill>
+                  <a:srgbClr val="FF0000"/>
+                </a:solidFill>
+                <a:uFillTx/>
+                <a:sym typeface="+mn-ea"/>
+              </a:rPr>
+              <a:t>size</a:t>
+            </a:r>
+            <a:r>
+              <a:rPr lang="zh-CN" altLang="en-US" sz="2400" dirty="0" err="1">
+                <a:solidFill>
+                  <a:srgbClr val="FF0000"/>
+                </a:solidFill>
+                <a:uFillTx/>
+                <a:sym typeface="+mn-ea"/>
+              </a:rPr>
+              <a:t>的条件</a:t>
+            </a:r>
+          </a:p>
+          <a:p>
+            <a:pPr marL="0" indent="0">
+              <a:buNone/>
+            </a:pPr>
+            <a:endParaRPr lang="zh-CN" altLang="en-US" sz="2400" dirty="0" err="1">
+              <a:solidFill>
+                <a:srgbClr val="FF0000"/>
+              </a:solidFill>
+              <a:uFillTx/>
+              <a:sym typeface="+mn-ea"/>
+            </a:endParaRPr>
+          </a:p>
+          <a:p>
+            <a:pPr marL="0" indent="0">
+              <a:buNone/>
+            </a:pPr>
+            <a:endParaRPr lang="zh-CN" altLang="en-US" sz="2400" dirty="0" err="1">
+              <a:solidFill>
+                <a:srgbClr val="FF0000"/>
+              </a:solidFill>
+              <a:uFillTx/>
+              <a:sym typeface="+mn-ea"/>
+            </a:endParaRPr>
+          </a:p>
+          <a:p>
+            <a:pPr marL="0" indent="0">
+              <a:buNone/>
+            </a:pPr>
+            <a:r>
+              <a:rPr lang="zh-CN" altLang="en-US" sz="2400" dirty="0" err="1">
+                <a:solidFill>
+                  <a:srgbClr val="FF0000"/>
+                </a:solidFill>
+                <a:uFillTx/>
+                <a:sym typeface="+mn-ea"/>
+              </a:rPr>
+              <a:t>另外：</a:t>
+            </a:r>
+            <a:r>
+              <a:rPr lang="en-US" altLang="zh-CN" sz="2400" dirty="0" err="1">
+                <a:solidFill>
+                  <a:srgbClr val="FF0000"/>
+                </a:solidFill>
+                <a:uFillTx/>
+                <a:sym typeface="+mn-ea"/>
+              </a:rPr>
+              <a:t>mov bx,data2[0]</a:t>
+            </a:r>
+            <a:r>
+              <a:rPr lang="zh-CN" altLang="en-US" sz="2400" dirty="0" err="1">
+                <a:solidFill>
+                  <a:srgbClr val="FF0000"/>
+                </a:solidFill>
+                <a:uFillTx/>
+                <a:sym typeface="+mn-ea"/>
+              </a:rPr>
+              <a:t>可以通过汇编。</a:t>
+            </a:r>
           </a:p>
         </p:txBody>
       </p:sp>
@@ -7510,10 +7695,7 @@
           </a:bodyPr>
           <a:lstStyle/>
           <a:p>
-            <a:r>
-              <a:rPr lang="zh-CN" altLang="en-US"/>
-              <a:t>第七章</a:t>
-            </a:r>
+            <a:endParaRPr lang="zh-CN" altLang="en-US"/>
           </a:p>
         </p:txBody>
       </p:sp>
@@ -7534,93 +7716,211 @@
           <a:p>
             <a:r>
               <a:rPr lang="en-US" altLang="zh-CN"/>
-              <a:t>7.1 </a:t>
-            </a:r>
+              <a:t>6.11</a:t>
+            </a:r>
+          </a:p>
+          <a:p>
             <a:r>
               <a:rPr lang="zh-CN" altLang="en-US"/>
-              <a:t>指令填空</a:t>
-            </a:r>
-          </a:p>
-          <a:p>
+              <a:t>（</a:t>
+            </a:r>
             <a:r>
               <a:rPr lang="en-US" altLang="zh-CN"/>
-              <a:t>       </a:t>
+              <a:t>1</a:t>
             </a:r>
             <a:r>
               <a:rPr lang="zh-CN" altLang="en-US"/>
-              <a:t>mov	al,x</a:t>
-            </a:r>
-          </a:p>
-          <a:p>
+              <a:t>）</a:t>
+            </a:r>
+            <a:r>
+              <a:rPr lang="en-US" altLang="zh-CN"/>
+              <a:t>Data1</a:t>
+            </a:r>
             <a:r>
               <a:rPr lang="zh-CN" altLang="en-US"/>
-              <a:t>	mov	bl,y</a:t>
+              <a:t>是符号常量，没有偏移地址</a:t>
             </a:r>
           </a:p>
           <a:p>
             <a:r>
               <a:rPr lang="zh-CN" altLang="en-US"/>
-              <a:t>	mov	cl,z</a:t>
-            </a:r>
-          </a:p>
-          <a:p>
+              <a:t>（</a:t>
+            </a:r>
+            <a:r>
+              <a:rPr lang="en-US" altLang="zh-CN"/>
+              <a:t>2</a:t>
+            </a:r>
             <a:r>
               <a:rPr lang="zh-CN" altLang="en-US"/>
-              <a:t>	cmp	al,bl</a:t>
-            </a:r>
-          </a:p>
-          <a:p>
-            <a:r>
-              <a:rPr lang="zh-CN" altLang="en-US"/>
-              <a:t>	</a:t>
-            </a:r>
-            <a:r>
-              <a:rPr lang="zh-CN" altLang="en-US" b="1">
+              <a:t>）</a:t>
+            </a:r>
+            <a:r>
+              <a:rPr lang="en-US" altLang="zh-CN"/>
+              <a:t>Count=$-4=0028H-4=0024H.</a:t>
+            </a:r>
+          </a:p>
+          <a:p>
+            <a:r>
+              <a:rPr lang="zh-CN" altLang="en-US">
                 <a:solidFill>
                   <a:srgbClr val="FF0000"/>
                 </a:solidFill>
                 <a:uFillTx/>
               </a:rPr>
-              <a:t>jbe	l1	;jbe应该也行</a:t>
-            </a:r>
-            <a:endParaRPr lang="zh-CN" altLang="en-US"/>
-          </a:p>
-          <a:p>
-            <a:r>
-              <a:rPr lang="zh-CN" altLang="en-US"/>
-              <a:t>	xchg	al,bl</a:t>
-            </a:r>
-          </a:p>
-          <a:p>
-            <a:r>
-              <a:rPr lang="zh-CN" altLang="en-US"/>
-              <a:t>l1:	cmp	al,cl</a:t>
-            </a:r>
-          </a:p>
-          <a:p>
-            <a:r>
-              <a:rPr lang="zh-CN" altLang="en-US"/>
-              <a:t>	jle	l2</a:t>
-            </a:r>
-          </a:p>
-          <a:p>
-            <a:r>
-              <a:rPr lang="zh-CN" altLang="en-US"/>
-              <a:t>	</a:t>
-            </a:r>
-            <a:r>
-              <a:rPr lang="zh-CN" altLang="en-US" b="1">
+              <a:t>问题：</a:t>
+            </a:r>
+            <a:r>
+              <a:rPr lang="en-US" altLang="zh-CN">
                 <a:solidFill>
                   <a:srgbClr val="FF0000"/>
                 </a:solidFill>
                 <a:uFillTx/>
               </a:rPr>
-              <a:t>xchg	al,cl</a:t>
+              <a:t>data1</a:t>
+            </a:r>
+            <a:r>
+              <a:rPr lang="zh-CN" altLang="en-US">
+                <a:solidFill>
+                  <a:srgbClr val="FF0000"/>
+                </a:solidFill>
+                <a:uFillTx/>
+              </a:rPr>
+              <a:t>是常量，如果</a:t>
+            </a:r>
+            <a:r>
+              <a:rPr lang="en-US" altLang="zh-CN">
+                <a:solidFill>
+                  <a:srgbClr val="FF0000"/>
+                </a:solidFill>
+                <a:uFillTx/>
+              </a:rPr>
+              <a:t>offset data1</a:t>
+            </a:r>
+            <a:r>
+              <a:rPr lang="zh-CN" altLang="en-US">
+                <a:solidFill>
+                  <a:srgbClr val="FF0000"/>
+                </a:solidFill>
+                <a:uFillTx/>
+              </a:rPr>
+              <a:t>，会有</a:t>
+            </a:r>
+            <a:r>
+              <a:rPr lang="en-US" altLang="zh-CN">
+                <a:solidFill>
+                  <a:srgbClr val="FF0000"/>
+                </a:solidFill>
+                <a:uFillTx/>
+              </a:rPr>
+              <a:t>warning</a:t>
+            </a:r>
+            <a:r>
+              <a:rPr lang="zh-CN" altLang="en-US">
+                <a:solidFill>
+                  <a:srgbClr val="FF0000"/>
+                </a:solidFill>
+                <a:uFillTx/>
+              </a:rPr>
+              <a:t>，对应立即数</a:t>
+            </a:r>
+            <a:r>
+              <a:rPr lang="en-US" altLang="zh-CN">
+                <a:solidFill>
+                  <a:srgbClr val="FF0000"/>
+                </a:solidFill>
+                <a:uFillTx/>
+              </a:rPr>
+              <a:t>4</a:t>
+            </a:r>
+            <a:endParaRPr lang="zh-CN" altLang="en-US">
+              <a:solidFill>
+                <a:srgbClr val="FF0000"/>
+              </a:solidFill>
+              <a:uFillTx/>
+            </a:endParaRPr>
+          </a:p>
+          <a:p>
+            <a:r>
+              <a:rPr lang="zh-CN" altLang="en-US">
+                <a:solidFill>
+                  <a:srgbClr val="FF0000"/>
+                </a:solidFill>
+                <a:uFillTx/>
+              </a:rPr>
+              <a:t>另外：汇编程序认为</a:t>
+            </a:r>
+            <a:r>
+              <a:rPr lang="en-US" altLang="zh-CN">
+                <a:solidFill>
+                  <a:srgbClr val="FF0000"/>
+                </a:solidFill>
+                <a:uFillTx/>
+              </a:rPr>
+              <a:t>count</a:t>
+            </a:r>
+            <a:r>
+              <a:rPr lang="zh-CN" altLang="en-US">
+                <a:solidFill>
+                  <a:srgbClr val="FF0000"/>
+                </a:solidFill>
+                <a:uFillTx/>
+              </a:rPr>
+              <a:t>是符号而不是常量，指向</a:t>
+            </a:r>
+            <a:r>
+              <a:rPr lang="en-US" altLang="zh-CN">
+                <a:solidFill>
+                  <a:srgbClr val="FF0000"/>
+                </a:solidFill>
+                <a:uFillTx/>
+              </a:rPr>
+              <a:t>0024H</a:t>
+            </a:r>
+            <a:r>
+              <a:rPr lang="zh-CN" altLang="en-US">
+                <a:solidFill>
+                  <a:srgbClr val="FF0000"/>
+                </a:solidFill>
+                <a:uFillTx/>
+              </a:rPr>
+              <a:t>内存单元。如果改成</a:t>
+            </a:r>
+            <a:r>
+              <a:rPr lang="en-US" altLang="zh-CN">
+                <a:solidFill>
+                  <a:srgbClr val="FF0000"/>
+                </a:solidFill>
+                <a:uFillTx/>
+              </a:rPr>
+              <a:t>$-data3</a:t>
+            </a:r>
+            <a:r>
+              <a:rPr lang="zh-CN" altLang="en-US">
+                <a:solidFill>
+                  <a:srgbClr val="FF0000"/>
+                </a:solidFill>
+                <a:uFillTx/>
+              </a:rPr>
+              <a:t>则为立即数</a:t>
+            </a:r>
+            <a:r>
+              <a:rPr lang="en-US" altLang="zh-CN">
+                <a:solidFill>
+                  <a:srgbClr val="FF0000"/>
+                </a:solidFill>
+                <a:uFillTx/>
+              </a:rPr>
+              <a:t>8.</a:t>
             </a:r>
           </a:p>
         </p:txBody>
       </p:sp>
     </p:spTree>
+    <p:extLst>
+      <p:ext uri="{BB962C8B-B14F-4D97-AF65-F5344CB8AC3E}">
+        <p14:creationId xmlns:p14="http://schemas.microsoft.com/office/powerpoint/2010/main" val="1087408751"/>
+      </p:ext>
+    </p:extLst>
   </p:cSld>
   <p:clrMapOvr>
     <a:masterClrMapping/>
@@ -7686,7 +7986,7 @@
           <a:p>
             <a:r>
               <a:rPr lang="en-US" altLang="zh-CN"/>
-              <a:t>7.2 </a:t>
+              <a:t>7.1 </a:t>
             </a:r>
             <a:r>
               <a:rPr lang="zh-CN" altLang="en-US"/>
@@ -7695,57 +7995,31 @@
           </a:p>
           <a:p>
             <a:r>
+              <a:rPr lang="en-US" altLang="zh-CN"/>
+              <a:t>       </a:t>
+            </a:r>
+            <a:r>
               <a:rPr lang="zh-CN" altLang="en-US"/>
-              <a:t>	mov   	ds,ax</a:t>
+              <a:t>mov	al,x</a:t>
             </a:r>
           </a:p>
           <a:p>
             <a:r>
               <a:rPr lang="zh-CN" altLang="en-US"/>
-              <a:t>	mov	es,</a:t>
-            </a:r>
-            <a:r>
-              <a:rPr lang="zh-CN" altLang="en-US" b="1">
-                <a:solidFill>
-                  <a:srgbClr val="FF0000"/>
-                </a:solidFill>
-                <a:uFillTx/>
-              </a:rPr>
-              <a:t>ax</a:t>
-            </a:r>
-            <a:endParaRPr lang="zh-CN" altLang="en-US"/>
+              <a:t>	mov	bl,y</a:t>
+            </a:r>
           </a:p>
           <a:p>
             <a:r>
               <a:rPr lang="zh-CN" altLang="en-US"/>
-              <a:t> 	mov	cx,</a:t>
-            </a:r>
-            <a:r>
-              <a:rPr lang="zh-CN" altLang="en-US" b="1">
-                <a:solidFill>
-                  <a:srgbClr val="FF0000"/>
-                </a:solidFill>
-                <a:uFillTx/>
-              </a:rPr>
-              <a:t>count</a:t>
-            </a:r>
-            <a:endParaRPr lang="zh-CN" altLang="en-US"/>
+              <a:t>	mov	cl,z</a:t>
+            </a:r>
           </a:p>
           <a:p>
             <a:r>
               <a:rPr lang="zh-CN" altLang="en-US"/>
-              <a:t>	mov	si,</a:t>
-            </a:r>
-            <a:r>
-              <a:rPr lang="zh-CN" altLang="en-US" b="1">
-                <a:solidFill>
-                  <a:srgbClr val="FF0000"/>
-                </a:solidFill>
-                <a:uFillTx/>
-              </a:rPr>
-              <a:t>offset da1</a:t>
-            </a:r>
-            <a:endParaRPr lang="zh-CN" altLang="en-US"/>
+              <a:t>	cmp	al,bl</a:t>
+            </a:r>
           </a:p>
           <a:p>
             <a:r>
@@ -7759,9 +8033,27 @@
                 </a:solidFill>
                 <a:uFillTx/>
               </a:rPr>
-              <a:t>mov	di,offset da2</a:t>
+              <a:t>jbe	l1	;jbe应该也行</a:t>
             </a:r>
             <a:endParaRPr lang="zh-CN" altLang="en-US"/>
+          </a:p>
+          <a:p>
+            <a:r>
+              <a:rPr lang="zh-CN" altLang="en-US"/>
+              <a:t>	xchg	al,bl</a:t>
+            </a:r>
+          </a:p>
+          <a:p>
+            <a:r>
+              <a:rPr lang="zh-CN" altLang="en-US"/>
+              <a:t>l1:	cmp	al,cl</a:t>
+            </a:r>
+          </a:p>
+          <a:p>
+            <a:r>
+              <a:rPr lang="zh-CN" altLang="en-US"/>
+              <a:t>	jle	l2</a:t>
+            </a:r>
           </a:p>
           <a:p>
             <a:r>
@@ -7775,18 +8067,7 @@
                 </a:solidFill>
                 <a:uFillTx/>
               </a:rPr>
-              <a:t>cld</a:t>
-            </a:r>
-          </a:p>
-          <a:p>
-            <a:r>
-              <a:rPr lang="zh-CN" altLang="en-US" b="1">
-                <a:solidFill>
-                  <a:srgbClr val="FF0000"/>
-                </a:solidFill>
-                <a:uFillTx/>
-              </a:rPr>
-              <a:t>	rep	movsb</a:t>
+              <a:t>xchg	al,cl</a:t>
             </a:r>
           </a:p>
         </p:txBody>
@@ -8212,12 +8493,7 @@
             <p:ph type="title"/>
           </p:nvPr>
         </p:nvSpPr>
-        <p:spPr>
-          <a:xfrm>
-            <a:off x="457200" y="44133"/>
-            <a:ext cx="8229600" cy="634082"/>
-          </a:xfrm>
-        </p:spPr>
+        <p:spPr/>
         <p:txBody>
           <a:bodyPr>
             <a:normAutofit fontScale="90000"/>
@@ -8226,7 +8502,7 @@
           <a:p>
             <a:r>
               <a:rPr lang="zh-CN" altLang="en-US"/>
-              <a:t>复习</a:t>
+              <a:t>第七章</a:t>
             </a:r>
           </a:p>
         </p:txBody>
@@ -8241,209 +8517,114 @@
             <p:ph idx="1"/>
           </p:nvPr>
         </p:nvSpPr>
-        <p:spPr>
-          <a:xfrm>
-            <a:off x="213360" y="601345"/>
-            <a:ext cx="8750935" cy="6139815"/>
-          </a:xfrm>
-        </p:spPr>
+        <p:spPr/>
         <p:txBody>
           <a:bodyPr/>
           <a:lstStyle/>
           <a:p>
             <a:r>
-              <a:rPr lang="zh-CN" altLang="en-US" sz="2400" b="1"/>
-              <a:t>1、题型：简答（6个，24分）；计算写出OF，SF，ZF和CF值；指令执行题；内存绘制图；编程题；论述题；</a:t>
-            </a:r>
-          </a:p>
-          <a:p>
-            <a:r>
-              <a:rPr lang="zh-CN" altLang="en-US" sz="2400" b="1"/>
-              <a:t>2、第一、二章、三章（汇编语言的组成；计算机中数和符号的表示；补码的加减运算；逻辑运算的规则；汇编程序的优势；寄存器的作用和组成；</a:t>
-            </a:r>
-            <a:r>
-              <a:rPr lang="en-US" altLang="zh-CN" sz="2400" b="1"/>
-              <a:t>8086</a:t>
-            </a:r>
-            <a:r>
-              <a:rPr lang="zh-CN" altLang="en-US" sz="2400" b="1"/>
-              <a:t>结构特征；段；有效地址、物理地址；外设和接口；</a:t>
-            </a:r>
-            <a:r>
-              <a:rPr lang="en-US" altLang="zh-CN" sz="2400" b="1"/>
-              <a:t>32</a:t>
-            </a:r>
-            <a:r>
-              <a:rPr lang="zh-CN" altLang="en-US" sz="2400" b="1"/>
-              <a:t>位</a:t>
-            </a:r>
-            <a:r>
-              <a:rPr lang="en-US" altLang="zh-CN" sz="2400" b="1"/>
-              <a:t>CPU</a:t>
-            </a:r>
-            <a:r>
-              <a:rPr lang="zh-CN" altLang="en-US" sz="2400" b="1"/>
-              <a:t>工作模式；汇编编程所需文件；上机步骤）</a:t>
-            </a:r>
-          </a:p>
-          <a:p>
-            <a:r>
-              <a:rPr lang="zh-CN" altLang="en-US" sz="2400" b="1"/>
-              <a:t>第四章（寻址方式）</a:t>
-            </a:r>
-          </a:p>
-          <a:p>
-            <a:r>
-              <a:rPr lang="zh-CN" altLang="en-US" sz="2400" b="1"/>
-              <a:t>第五章（指令系统）</a:t>
-            </a:r>
-          </a:p>
-          <a:p>
-            <a:r>
-              <a:rPr lang="zh-CN" altLang="en-US" sz="2400" b="1"/>
-              <a:t>第六章（伪指令，变量属性，赋值伪指令，过程定义伪指令，数值回送伪指令）</a:t>
-            </a:r>
-          </a:p>
-          <a:p>
-            <a:r>
-              <a:rPr lang="zh-CN" altLang="en-US" sz="2400" b="1"/>
-              <a:t>第七、八章（分支，循环，子程序编程） </a:t>
-            </a:r>
-          </a:p>
-        </p:txBody>
-      </p:sp>
-    </p:spTree>
-  </p:cSld>
-  <p:clrMapOvr>
-    <a:masterClrMapping/>
-  </p:clrMapOvr>
-</p:sld>
-</file>
-
-<file path=ppt/slides/slide31.xml><?xml version="1.0" encoding="utf-8"?>
-<p:sld xmlns:a="http://schemas.openxmlformats.org/drawingml/2006/main" xmlns:r="http://schemas.openxmlformats.org/officeDocument/2006/relationships" xmlns:p="http://schemas.openxmlformats.org/presentationml/2006/main">
-  <p:cSld>
-    <p:spTree>
-      <p:nvGrpSpPr>
-        <p:cNvPr id="1" name=""/>
-        <p:cNvGrpSpPr/>
-        <p:nvPr/>
-      </p:nvGrpSpPr>
-      <p:grpSpPr>
-        <a:xfrm>
-          <a:off x="0" y="0"/>
-          <a:ext cx="0" cy="0"/>
-          <a:chOff x="0" y="0"/>
-          <a:chExt cx="0" cy="0"/>
-        </a:xfrm>
-      </p:grpSpPr>
-      <p:sp>
-        <p:nvSpPr>
-          <p:cNvPr id="2" name="标题 1"/>
-          <p:cNvSpPr>
-            <a:spLocks noGrp="1"/>
-          </p:cNvSpPr>
-          <p:nvPr>
-            <p:ph type="title"/>
-          </p:nvPr>
-        </p:nvSpPr>
-        <p:spPr/>
-        <p:txBody>
-          <a:bodyPr>
-            <a:normAutofit fontScale="90000"/>
-          </a:bodyPr>
-          <a:lstStyle/>
-          <a:p>
+              <a:rPr lang="en-US" altLang="zh-CN"/>
+              <a:t>7.2 </a:t>
+            </a:r>
             <a:r>
               <a:rPr lang="zh-CN" altLang="en-US"/>
-              <a:t>答疑</a:t>
-            </a:r>
-          </a:p>
-        </p:txBody>
-      </p:sp>
-      <p:sp>
-        <p:nvSpPr>
-          <p:cNvPr id="3" name="内容占位符 2"/>
-          <p:cNvSpPr>
-            <a:spLocks noGrp="1"/>
-          </p:cNvSpPr>
-          <p:nvPr>
-            <p:ph idx="1"/>
-          </p:nvPr>
-        </p:nvSpPr>
-        <p:spPr/>
-        <p:txBody>
-          <a:bodyPr/>
-          <a:lstStyle/>
-          <a:p>
-            <a:r>
-              <a:rPr lang="en-US" altLang="zh-CN"/>
-              <a:t>12</a:t>
-            </a:r>
+              <a:t>指令填空</a:t>
+            </a:r>
+          </a:p>
+          <a:p>
             <a:r>
               <a:rPr lang="zh-CN" altLang="en-US"/>
-              <a:t>月</a:t>
-            </a:r>
-            <a:r>
-              <a:rPr lang="en-US" altLang="zh-CN"/>
-              <a:t>4</a:t>
-            </a:r>
+              <a:t>	mov   	ds,ax</a:t>
+            </a:r>
+          </a:p>
+          <a:p>
             <a:r>
               <a:rPr lang="zh-CN" altLang="en-US"/>
-              <a:t>日之前通过邮件（</a:t>
-            </a:r>
-            <a:r>
-              <a:rPr lang="en-US" altLang="zh-CN"/>
-              <a:t>yuchuyun@sohu.com</a:t>
-            </a:r>
+              <a:t>	mov	es,</a:t>
+            </a:r>
+            <a:r>
+              <a:rPr lang="zh-CN" altLang="en-US" b="1">
+                <a:solidFill>
+                  <a:srgbClr val="FF0000"/>
+                </a:solidFill>
+                <a:uFillTx/>
+              </a:rPr>
+              <a:t>ax</a:t>
+            </a:r>
+            <a:endParaRPr lang="zh-CN" altLang="en-US"/>
+          </a:p>
+          <a:p>
             <a:r>
               <a:rPr lang="zh-CN" altLang="en-US"/>
-              <a:t>），如果没有及时回复，可以电话通知（</a:t>
-            </a:r>
-            <a:r>
-              <a:rPr lang="en-US" altLang="zh-CN"/>
-              <a:t>13875291818</a:t>
-            </a:r>
+              <a:t> 	mov	cx,</a:t>
+            </a:r>
+            <a:r>
+              <a:rPr lang="zh-CN" altLang="en-US" b="1">
+                <a:solidFill>
+                  <a:srgbClr val="FF0000"/>
+                </a:solidFill>
+                <a:uFillTx/>
+              </a:rPr>
+              <a:t>count</a:t>
+            </a:r>
+            <a:endParaRPr lang="zh-CN" altLang="en-US"/>
+          </a:p>
+          <a:p>
             <a:r>
               <a:rPr lang="zh-CN" altLang="en-US"/>
-              <a:t>）。</a:t>
-            </a:r>
-          </a:p>
-          <a:p>
+              <a:t>	mov	si,</a:t>
+            </a:r>
+            <a:r>
+              <a:rPr lang="zh-CN" altLang="en-US" b="1">
+                <a:solidFill>
+                  <a:srgbClr val="FF0000"/>
+                </a:solidFill>
+                <a:uFillTx/>
+              </a:rPr>
+              <a:t>offset da1</a:t>
+            </a:r>
             <a:endParaRPr lang="zh-CN" altLang="en-US"/>
           </a:p>
           <a:p>
             <a:r>
-              <a:rPr lang="en-US" altLang="zh-CN"/>
-              <a:t>4</a:t>
-            </a:r>
-            <a:r>
               <a:rPr lang="zh-CN" altLang="en-US"/>
-              <a:t>日晚上、</a:t>
-            </a:r>
-            <a:r>
-              <a:rPr lang="en-US" altLang="zh-CN"/>
-              <a:t>5</a:t>
-            </a:r>
+              <a:t>	</a:t>
+            </a:r>
+            <a:r>
+              <a:rPr lang="zh-CN" altLang="en-US" b="1">
+                <a:solidFill>
+                  <a:srgbClr val="FF0000"/>
+                </a:solidFill>
+                <a:uFillTx/>
+              </a:rPr>
+              <a:t>mov	di,offset da2</a:t>
+            </a:r>
+            <a:endParaRPr lang="zh-CN" altLang="en-US"/>
+          </a:p>
+          <a:p>
             <a:r>
               <a:rPr lang="zh-CN" altLang="en-US"/>
-              <a:t>日下午晚上、</a:t>
-            </a:r>
-            <a:r>
-              <a:rPr lang="en-US" altLang="zh-CN"/>
-              <a:t>6</a:t>
-            </a:r>
-            <a:r>
-              <a:rPr lang="zh-CN" altLang="en-US"/>
-              <a:t>日如果有必要可以来逸夫楼</a:t>
-            </a:r>
-            <a:r>
-              <a:rPr lang="en-US" altLang="zh-CN"/>
-              <a:t>404</a:t>
-            </a:r>
-            <a:r>
-              <a:rPr lang="zh-CN" altLang="en-US"/>
-              <a:t>当面答疑</a:t>
+              <a:t>	</a:t>
+            </a:r>
+            <a:r>
+              <a:rPr lang="zh-CN" altLang="en-US" b="1">
+                <a:solidFill>
+                  <a:srgbClr val="FF0000"/>
+                </a:solidFill>
+                <a:uFillTx/>
+              </a:rPr>
+              <a:t>cld</a:t>
+            </a:r>
+          </a:p>
+          <a:p>
+            <a:r>
+              <a:rPr lang="zh-CN" altLang="en-US" b="1">
+                <a:solidFill>
+                  <a:srgbClr val="FF0000"/>
+                </a:solidFill>
+                <a:uFillTx/>
+              </a:rPr>
+              <a:t>	rep	movsb</a:t>
             </a:r>
           </a:p>
         </p:txBody>

--- a/汇编语言/汇编作业-有自己的修改.pptx
+++ b/汇编语言/汇编作业-有自己的修改.pptx
@@ -3286,7 +3286,7 @@
         <p:spPr>
           <a:xfrm>
             <a:off x="251520" y="692696"/>
-            <a:ext cx="8712968" cy="6048672"/>
+            <a:ext cx="8892480" cy="6048672"/>
           </a:xfrm>
         </p:spPr>
         <p:txBody>
@@ -3334,85 +3334,77 @@
             </a:r>
             <a:r>
               <a:rPr lang="zh-CN" altLang="en-US" sz="2400" b="1" dirty="0"/>
-              <a:t>，应经</a:t>
+              <a:t>，应经寄存器中转</a:t>
+            </a:r>
+            <a:endParaRPr lang="en-US" altLang="zh-CN" sz="2400" b="1" dirty="0"/>
+          </a:p>
+          <a:p>
+            <a:r>
+              <a:rPr lang="en-US" altLang="zh-CN" sz="2400" b="1" dirty="0"/>
+              <a:t>3	MOV 	CS,AX		;</a:t>
+            </a:r>
+            <a:r>
+              <a:rPr lang="zh-CN" altLang="en-US" sz="2400" b="1" dirty="0"/>
+              <a:t>用户无法改变</a:t>
+            </a:r>
+            <a:r>
+              <a:rPr lang="en-US" altLang="zh-CN" sz="2400" b="1" dirty="0"/>
+              <a:t>CS</a:t>
+            </a:r>
+            <a:r>
+              <a:rPr lang="zh-CN" altLang="en-US" sz="2400" b="1" dirty="0"/>
+              <a:t>，压根不能用</a:t>
+            </a:r>
+            <a:endParaRPr lang="en-US" altLang="zh-CN" sz="2400" b="1" dirty="0"/>
+          </a:p>
+          <a:p>
+            <a:r>
+              <a:rPr lang="en-US" altLang="zh-CN" sz="2400" b="1" dirty="0"/>
+              <a:t>4	MOV 	AX,DL		;</a:t>
+            </a:r>
+            <a:r>
+              <a:rPr lang="zh-CN" altLang="en-US" sz="2400" b="1" dirty="0"/>
+              <a:t>数据类型不一致，都改为</a:t>
+            </a:r>
+            <a:r>
+              <a:rPr lang="en-US" altLang="zh-CN" sz="2400" b="1" dirty="0"/>
+              <a:t>8</a:t>
+            </a:r>
+            <a:r>
+              <a:rPr lang="zh-CN" altLang="en-US" sz="2400" b="1" dirty="0"/>
+              <a:t>位</a:t>
+            </a:r>
+            <a:r>
+              <a:rPr lang="en-US" altLang="zh-CN" sz="2400" b="1" dirty="0"/>
+              <a:t>/16</a:t>
+            </a:r>
+            <a:r>
+              <a:rPr lang="zh-CN" altLang="en-US" sz="2400" b="1" dirty="0"/>
+              <a:t>位</a:t>
+            </a:r>
+            <a:endParaRPr lang="en-US" altLang="zh-CN" sz="2400" b="1" dirty="0"/>
+          </a:p>
+          <a:p>
+            <a:r>
+              <a:rPr lang="en-US" altLang="zh-CN" sz="2400" b="1" dirty="0"/>
+              <a:t>5	PUSH	AL		;</a:t>
+            </a:r>
+            <a:r>
+              <a:rPr lang="zh-CN" altLang="en-US" sz="2400" b="1" dirty="0"/>
+              <a:t>只能压栈</a:t>
+            </a:r>
+            <a:r>
+              <a:rPr lang="en-US" altLang="zh-CN" sz="2400" b="1" dirty="0"/>
+              <a:t>16</a:t>
+            </a:r>
+            <a:r>
+              <a:rPr lang="zh-CN" altLang="en-US" sz="2400" b="1" dirty="0"/>
+              <a:t>位，改为</a:t>
             </a:r>
             <a:r>
               <a:rPr lang="en-US" altLang="zh-CN" sz="2400" b="1" dirty="0"/>
               <a:t>AX</a:t>
             </a:r>
-            <a:r>
-              <a:rPr lang="zh-CN" altLang="en-US" sz="2400" b="1" dirty="0"/>
-              <a:t>中转</a:t>
-            </a:r>
-            <a:endParaRPr lang="en-US" altLang="zh-CN" sz="2400" b="1" dirty="0"/>
-          </a:p>
-          <a:p>
-            <a:r>
-              <a:rPr lang="en-US" altLang="zh-CN" sz="2400" b="1" dirty="0"/>
-              <a:t>3	MOV 	CS,AX		;</a:t>
-            </a:r>
-            <a:r>
-              <a:rPr lang="zh-CN" altLang="en-US" sz="2400" b="1" dirty="0"/>
-              <a:t>用户无法改变</a:t>
-            </a:r>
-            <a:r>
-              <a:rPr lang="en-US" altLang="zh-CN" sz="2400" b="1" dirty="0"/>
-              <a:t>CS</a:t>
-            </a:r>
-            <a:r>
-              <a:rPr lang="zh-CN" altLang="en-US" sz="2400" b="1" dirty="0"/>
-              <a:t>，压根不能用</a:t>
-            </a:r>
-            <a:endParaRPr lang="en-US" altLang="zh-CN" sz="2400" b="1" dirty="0"/>
-          </a:p>
-          <a:p>
-            <a:r>
-              <a:rPr lang="en-US" altLang="zh-CN" sz="2400" b="1" dirty="0"/>
-              <a:t>4	MOV 	AX,DL		;</a:t>
-            </a:r>
-            <a:r>
-              <a:rPr lang="zh-CN" altLang="en-US" sz="2400" b="1" dirty="0"/>
-              <a:t>数据类型不一致，都改为</a:t>
-            </a:r>
-            <a:r>
-              <a:rPr lang="en-US" altLang="zh-CN" sz="2400" b="1" dirty="0"/>
-              <a:t>8</a:t>
-            </a:r>
-            <a:r>
-              <a:rPr lang="zh-CN" altLang="en-US" sz="2400" b="1" dirty="0"/>
-              <a:t>位</a:t>
-            </a:r>
-            <a:r>
-              <a:rPr lang="en-US" altLang="zh-CN" sz="2400" b="1" dirty="0"/>
-              <a:t>/16</a:t>
-            </a:r>
-            <a:r>
-              <a:rPr lang="zh-CN" altLang="en-US" sz="2400" b="1" dirty="0"/>
-              <a:t>位</a:t>
-            </a:r>
-            <a:endParaRPr lang="en-US" altLang="zh-CN" sz="2400" b="1" dirty="0"/>
-          </a:p>
-          <a:p>
-            <a:r>
-              <a:rPr lang="en-US" altLang="zh-CN" sz="2400" b="1" dirty="0"/>
-              <a:t>5	PUSH	AL		;</a:t>
-            </a:r>
-            <a:r>
-              <a:rPr lang="zh-CN" altLang="en-US" sz="2400" b="1" dirty="0"/>
-              <a:t>只能压栈</a:t>
-            </a:r>
-            <a:r>
-              <a:rPr lang="en-US" altLang="zh-CN" sz="2400" b="1" dirty="0"/>
-              <a:t>16</a:t>
-            </a:r>
-            <a:r>
-              <a:rPr lang="zh-CN" altLang="en-US" sz="2400" b="1" dirty="0"/>
-              <a:t>位，改为</a:t>
-            </a:r>
-            <a:r>
-              <a:rPr lang="en-US" altLang="zh-CN" sz="2400" b="1" dirty="0"/>
-              <a:t>AX</a:t>
-            </a:r>
           </a:p>
           <a:p>
             <a:r>
@@ -3439,25 +3431,27 @@
           <a:p>
             <a:r>
               <a:rPr lang="en-US" altLang="zh-CN" sz="2400" b="1" dirty="0"/>
-              <a:t>8	MOV	[DX],OFFSET V	; DX</a:t>
+              <a:t>8	MOV	[DX],OFFSET V	; </a:t>
             </a:r>
             <a:r>
               <a:rPr lang="zh-CN" altLang="en-US" sz="2400" b="1" dirty="0"/>
-              <a:t>不能做内存指针，改为</a:t>
+              <a:t>首先</a:t>
+            </a:r>
+            <a:r>
+              <a:rPr lang="en-US" altLang="zh-CN" sz="2400" b="1" dirty="0"/>
+              <a:t>DX</a:t>
+            </a:r>
+            <a:r>
+              <a:rPr lang="zh-CN" altLang="en-US" sz="2400" b="1" dirty="0"/>
+              <a:t>不能做内存指针，要改为</a:t>
             </a:r>
             <a:r>
               <a:rPr lang="en-US" altLang="zh-CN" sz="2400" b="1" dirty="0"/>
               <a:t> BX/DI/SI</a:t>
             </a:r>
-          </a:p>
-          <a:p>
-            <a:r>
-              <a:rPr lang="en-US" altLang="zh-CN" sz="2400" b="1" dirty="0"/>
-              <a:t>                                                	;</a:t>
-            </a:r>
             <a:r>
               <a:rPr lang="zh-CN" altLang="en-US" sz="2400" b="1" dirty="0"/>
-              <a:t>或去掉方括号</a:t>
+              <a:t>，但是两个操作数不能同为内存单元，所以应该去掉方括号</a:t>
             </a:r>
             <a:endParaRPr lang="en-US" altLang="zh-CN" sz="2400" b="1" dirty="0"/>
           </a:p>
@@ -3678,7 +3672,15 @@
             </a:r>
             <a:r>
               <a:rPr lang="zh-CN" altLang="en-US" b="1" dirty="0"/>
-              <a:t> 用了保留字做标识符。</a:t>
+              <a:t> 用了保留字</a:t>
+            </a:r>
+            <a:r>
+              <a:rPr lang="en-US" altLang="zh-CN" b="1" dirty="0"/>
+              <a:t>BYTE</a:t>
+            </a:r>
+            <a:r>
+              <a:rPr lang="zh-CN" altLang="en-US" b="1" dirty="0"/>
+              <a:t>做标识符。</a:t>
             </a:r>
             <a:endParaRPr lang="en-US" altLang="zh-CN" b="1" dirty="0"/>
           </a:p>
@@ -4607,29 +4609,13 @@
           <a:p>
             <a:r>
               <a:rPr lang="en-US" altLang="zh-CN" dirty="0"/>
-              <a:t>		</a:t>
-            </a:r>
-            <a:r>
-              <a:rPr lang="en-US" altLang="zh-CN" dirty="0" err="1"/>
-              <a:t>mov</a:t>
-            </a:r>
-            <a:r>
-              <a:rPr lang="en-US" altLang="zh-CN" dirty="0"/>
-              <a:t> 	bx,array+1	;1E00H</a:t>
-            </a:r>
-          </a:p>
-          <a:p>
-            <a:r>
-              <a:rPr lang="en-US" altLang="zh-CN" dirty="0"/>
-              <a:t>                  	</a:t>
-            </a:r>
-            <a:r>
-              <a:rPr lang="en-US" altLang="zh-CN" dirty="0" err="1"/>
-              <a:t>mov</a:t>
-            </a:r>
-            <a:r>
-              <a:rPr lang="en-US" altLang="zh-CN" dirty="0"/>
-              <a:t>    	</a:t>
+              <a:t>		mov 	bx,array+1	;bx=1E00H</a:t>
+            </a:r>
+          </a:p>
+          <a:p>
+            <a:r>
+              <a:rPr lang="en-US" altLang="zh-CN" dirty="0"/>
+              <a:t>                  	mov    	</a:t>
             </a:r>
             <a:r>
               <a:rPr lang="en-US" altLang="zh-CN" dirty="0" err="1"/>
@@ -4637,35 +4623,19 @@
             </a:r>
             <a:r>
               <a:rPr lang="en-US" altLang="zh-CN" dirty="0"/>
-              <a:t> array	;0000</a:t>
-            </a:r>
-          </a:p>
-          <a:p>
-            <a:r>
-              <a:rPr lang="en-US" altLang="zh-CN" dirty="0"/>
-              <a:t>                  	</a:t>
-            </a:r>
-            <a:r>
-              <a:rPr lang="en-US" altLang="zh-CN" dirty="0" err="1"/>
-              <a:t>mov</a:t>
-            </a:r>
-            <a:r>
-              <a:rPr lang="en-US" altLang="zh-CN" dirty="0"/>
-              <a:t>   	cx,[di+5]	;2000H</a:t>
-            </a:r>
-          </a:p>
-          <a:p>
-            <a:r>
-              <a:rPr lang="en-US" altLang="zh-CN" dirty="0"/>
-              <a:t>                  	</a:t>
-            </a:r>
-            <a:r>
-              <a:rPr lang="en-US" altLang="zh-CN" dirty="0" err="1"/>
-              <a:t>mov</a:t>
-            </a:r>
-            <a:r>
-              <a:rPr lang="en-US" altLang="zh-CN" dirty="0"/>
-              <a:t>	dl,buff+3	;0044H</a:t>
+              <a:t> array	;di=0000</a:t>
+            </a:r>
+          </a:p>
+          <a:p>
+            <a:r>
+              <a:rPr lang="en-US" altLang="zh-CN" dirty="0"/>
+              <a:t>                  	mov   	cx,[di+5]	;cx=2000H</a:t>
+            </a:r>
+          </a:p>
+          <a:p>
+            <a:r>
+              <a:rPr lang="en-US" altLang="zh-CN" dirty="0"/>
+              <a:t>                  	mov	dl,buff+3	;dx=0044H</a:t>
             </a:r>
             <a:r>
               <a:rPr lang="zh-CN" altLang="en-US" dirty="0"/>
@@ -4740,17 +4710,23 @@
         <p:nvGraphicFramePr>
           <p:cNvPr id="4" name="对象 3"/>
           <p:cNvGraphicFramePr/>
-          <p:nvPr/>
+          <p:nvPr>
+            <p:extLst>
+              <p:ext uri="{D42A27DB-BD31-4B8C-83A1-F6EECF244321}">
+                <p14:modId xmlns:p14="http://schemas.microsoft.com/office/powerpoint/2010/main" val="1941321695"/>
+              </p:ext>
+            </p:extLst>
+          </p:nvPr>
         </p:nvGraphicFramePr>
         <p:xfrm>
-          <a:off x="6804025" y="981075"/>
+          <a:off x="7171377" y="981075"/>
           <a:ext cx="1649095" cy="5061585"/>
         </p:xfrm>
         <a:graphic>
           <a:graphicData uri="http://schemas.openxmlformats.org/presentationml/2006/ole">
             <mc:AlternateContent xmlns:mc="http://schemas.openxmlformats.org/markup-compatibility/2006">
               <mc:Choice xmlns:v="urn:schemas-microsoft-com:vml" Requires="v">
-                <p:oleObj spid="_x0000_s1043" r:id="rId3" imgW="1647825" imgH="5057775" progId="Paint.Picture">
+                <p:oleObj spid="_x0000_s1062" r:id="rId3" imgW="1647825" imgH="5057775" progId="Paint.Picture">
                   <p:embed/>
                 </p:oleObj>
               </mc:Choice>
@@ -4771,7 +4747,7 @@
                     </p:blipFill>
                     <p:spPr>
                       <a:xfrm>
-                        <a:off x="6804025" y="981075"/>
+                        <a:off x="7171377" y="981075"/>
                         <a:ext cx="1649095" cy="5061585"/>
                       </a:xfrm>
                       <a:prstGeom prst="rect">
@@ -5062,7 +5038,41 @@
                 <a:ea typeface="宋体" panose="02010600030101010101" pitchFamily="2" charset="-122"/>
                 <a:cs typeface="+mn-cs"/>
               </a:rPr>
-              <a:t>	=	9de4h=  1 1001 1101 1110  0100		</a:t>
+              <a:t>	=	9de4h=  </a:t>
+            </a:r>
+            <a:r>
+              <a:rPr kumimoji="0" lang="en-US" altLang="zh-CN" sz="2400" b="0" i="0" u="none" strike="noStrike" kern="1200" cap="none" spc="0" normalizeH="0" baseline="0" noProof="0" dirty="0">
+                <a:ln>
+                  <a:noFill/>
+                </a:ln>
+                <a:solidFill>
+                  <a:srgbClr val="FF0000"/>
+                </a:solidFill>
+                <a:effectLst/>
+                <a:uLnTx/>
+                <a:uFillTx/>
+                <a:latin typeface="Calibri"/>
+                <a:ea typeface="宋体" panose="02010600030101010101" pitchFamily="2" charset="-122"/>
+                <a:cs typeface="+mn-cs"/>
+              </a:rPr>
+              <a:t>1</a:t>
+            </a:r>
+            <a:r>
+              <a:rPr kumimoji="0" lang="en-US" altLang="zh-CN" sz="2400" b="0" i="0" u="none" strike="noStrike" kern="1200" cap="none" spc="0" normalizeH="0" baseline="0" noProof="0" dirty="0">
+                <a:ln>
+                  <a:noFill/>
+                </a:ln>
+                <a:solidFill>
+                  <a:prstClr val="black"/>
+                </a:solidFill>
+                <a:effectLst/>
+                <a:uLnTx/>
+                <a:uFillTx/>
+                <a:latin typeface="Calibri"/>
+                <a:ea typeface="宋体" panose="02010600030101010101" pitchFamily="2" charset="-122"/>
+                <a:cs typeface="+mn-cs"/>
+              </a:rPr>
+              <a:t> 1001 1101 1110  0100		</a:t>
             </a:r>
             <a:r>
               <a:rPr lang="en-US" altLang="zh-CN" sz="2400" dirty="0"/>
@@ -5286,7 +5296,7 @@
             </a:r>
             <a:r>
               <a:rPr lang="en-US" altLang="zh-CN" dirty="0"/>
-              <a:t>	 SF,ZF,CF,OF=1010</a:t>
+              <a:t>	 		SF,ZF,CF,OF=1010</a:t>
             </a:r>
           </a:p>
           <a:p>
@@ -5301,7 +5311,7 @@
             </a:pPr>
             <a:r>
               <a:rPr lang="en-US" altLang="zh-CN" dirty="0"/>
-              <a:t>		7450h=     0111  0100  0101  0000</a:t>
+              <a:t>		5678h=     0101  0110  0111  1000</a:t>
             </a:r>
           </a:p>
           <a:p>
@@ -5310,15 +5320,7 @@
             </a:pPr>
             <a:r>
               <a:rPr lang="en-US" altLang="zh-CN" dirty="0"/>
-              <a:t>   +(5678h)</a:t>
-            </a:r>
-            <a:r>
-              <a:rPr lang="zh-CN" altLang="en-US" dirty="0"/>
-              <a:t>补</a:t>
-            </a:r>
-            <a:r>
-              <a:rPr lang="en-US" altLang="zh-CN" dirty="0"/>
-              <a:t>=     1010  1001  1000  1000</a:t>
+              <a:t>	-	7450h=     0111  0100  0101  0000</a:t>
             </a:r>
           </a:p>
           <a:p>
@@ -5327,7 +5329,7 @@
             </a:pPr>
             <a:r>
               <a:rPr lang="en-US" altLang="zh-CN" dirty="0"/>
-              <a:t>	=	 1dd8h= </a:t>
+              <a:t>	=	1dd8h= </a:t>
             </a:r>
             <a:r>
               <a:rPr lang="en-US" altLang="zh-CN" dirty="0">
@@ -5339,7 +5341,7 @@
             </a:r>
             <a:r>
               <a:rPr lang="en-US" altLang="zh-CN" dirty="0"/>
-              <a:t> 0001  1101  1101  1000 SF,ZF,CF,OF=0000</a:t>
+              <a:t> 1110  0010  0010  1000	SF,ZF,CF,OF=1010</a:t>
             </a:r>
           </a:p>
           <a:p>
@@ -5470,7 +5472,7 @@
                   <a:srgbClr val="FF0000"/>
                 </a:solidFill>
               </a:rPr>
-              <a:t>1 </a:t>
+              <a:t>     </a:t>
             </a:r>
             <a:r>
               <a:rPr lang="en-US" altLang="zh-CN" dirty="0"/>
@@ -5504,7 +5506,7 @@
             </a:pPr>
             <a:r>
               <a:rPr lang="en-US" altLang="zh-CN" dirty="0"/>
-              <a:t>		7450h=   0111  0100  0101  0000</a:t>
+              <a:t>		7450h=    0111  0100  0101  0000</a:t>
             </a:r>
           </a:p>
           <a:p>
@@ -5513,7 +5515,7 @@
             </a:pPr>
             <a:r>
               <a:rPr lang="en-US" altLang="zh-CN" dirty="0"/>
-              <a:t>	-	9804h=   1001  1000  0000  0100</a:t>
+              <a:t>	-	9804h=    1001  1000  0000  0100</a:t>
             </a:r>
           </a:p>
           <a:p>
@@ -5530,7 +5532,7 @@
                   <a:srgbClr val="FF0000"/>
                 </a:solidFill>
               </a:rPr>
-              <a:t>1 </a:t>
+              <a:t>    </a:t>
             </a:r>
             <a:r>
               <a:rPr lang="en-US" altLang="zh-CN" dirty="0"/>
@@ -5568,7 +5570,7 @@
             </a:r>
             <a:r>
               <a:rPr lang="en-US" altLang="zh-CN" dirty="0"/>
-              <a:t>9804h-7450h=	23b4h</a:t>
+              <a:t>9804h-7450h= 23b4h</a:t>
             </a:r>
             <a:r>
               <a:rPr lang="zh-CN" altLang="en-US" dirty="0"/>
@@ -5576,7 +5578,7 @@
             </a:r>
             <a:r>
               <a:rPr lang="en-US" altLang="zh-CN" dirty="0"/>
-              <a:t>SF,ZF,CF,OF=0001</a:t>
+              <a:t>			SF,ZF,CF,OF=0001</a:t>
             </a:r>
           </a:p>
           <a:p>
@@ -5591,7 +5593,7 @@
             </a:pPr>
             <a:r>
               <a:rPr lang="en-US" altLang="zh-CN" dirty="0"/>
-              <a:t>		7450h=     0111  0100  0101  0000</a:t>
+              <a:t>		9804h=    1001  1000  0000  0100</a:t>
             </a:r>
           </a:p>
           <a:p>
@@ -5600,15 +5602,7 @@
             </a:pPr>
             <a:r>
               <a:rPr lang="en-US" altLang="zh-CN" dirty="0"/>
-              <a:t>   +(9804h)</a:t>
-            </a:r>
-            <a:r>
-              <a:rPr lang="zh-CN" altLang="en-US" dirty="0"/>
-              <a:t>补</a:t>
-            </a:r>
-            <a:r>
-              <a:rPr lang="en-US" altLang="zh-CN" dirty="0"/>
-              <a:t>=     0110  0111  1111  1100</a:t>
+              <a:t>	-	7450h=    0111  0100  0101  0000</a:t>
             </a:r>
           </a:p>
           <a:p>
@@ -5617,7 +5611,7 @@
             </a:pPr>
             <a:r>
               <a:rPr lang="en-US" altLang="zh-CN" dirty="0"/>
-              <a:t>	=	 dc4ch= </a:t>
+              <a:t>	=	dc4ch= </a:t>
             </a:r>
             <a:r>
               <a:rPr lang="en-US" altLang="zh-CN" dirty="0">
@@ -5629,7 +5623,7 @@
             </a:r>
             <a:r>
               <a:rPr lang="en-US" altLang="zh-CN" dirty="0"/>
-              <a:t> 1101  1100  0100  1100 SF,ZF,CF,OF=1011</a:t>
+              <a:t> 0010  0011  1011  0100 	SF,ZF,CF,OF=0001</a:t>
             </a:r>
             <a:endParaRPr lang="zh-CN" altLang="en-US" dirty="0"/>
           </a:p>
@@ -5864,7 +5858,7 @@
             </a:r>
             <a:r>
               <a:rPr lang="en-US" altLang="zh-CN" dirty="0"/>
-              <a:t>SF,ZF,CF,OF=0001</a:t>
+              <a:t>			SF,ZF,CF,OF=0001</a:t>
             </a:r>
           </a:p>
           <a:p>
@@ -5882,7 +5876,7 @@
             </a:pPr>
             <a:r>
               <a:rPr lang="en-US" altLang="zh-CN" dirty="0"/>
-              <a:t>		7450h=     0111  0100  0101  0000</a:t>
+              <a:t>		e0a0h=   1110  0000  1010  0000</a:t>
             </a:r>
           </a:p>
           <a:p>
@@ -5891,15 +5885,7 @@
             </a:pPr>
             <a:r>
               <a:rPr lang="en-US" altLang="zh-CN" dirty="0"/>
-              <a:t>   +(e0a0h)</a:t>
-            </a:r>
-            <a:r>
-              <a:rPr lang="zh-CN" altLang="en-US" dirty="0"/>
-              <a:t>补</a:t>
-            </a:r>
-            <a:r>
-              <a:rPr lang="en-US" altLang="zh-CN" dirty="0"/>
-              <a:t>=     0001  1111  0110  0000</a:t>
+              <a:t>	-	7450h=   0111  0100  0101  0000</a:t>
             </a:r>
           </a:p>
           <a:p>
@@ -5908,7 +5894,7 @@
             </a:pPr>
             <a:r>
               <a:rPr lang="en-US" altLang="zh-CN" dirty="0"/>
-              <a:t>	=	 dc4ch= </a:t>
+              <a:t>	=  </a:t>
             </a:r>
             <a:r>
               <a:rPr lang="en-US" altLang="zh-CN" dirty="0">
@@ -5916,13 +5902,24 @@
                   <a:srgbClr val="FF0000"/>
                 </a:solidFill>
               </a:rPr>
+              <a:t>1 </a:t>
+            </a:r>
+            <a:r>
+              <a:rPr lang="en-US" altLang="zh-CN" dirty="0"/>
+              <a:t>93b0h= </a:t>
+            </a:r>
+            <a:r>
+              <a:rPr lang="en-US" altLang="zh-CN" dirty="0">
+                <a:solidFill>
+                  <a:srgbClr val="FF0000"/>
+                </a:solidFill>
+              </a:rPr>
               <a:t>0</a:t>
             </a:r>
             <a:r>
               <a:rPr lang="en-US" altLang="zh-CN" dirty="0"/>
-              <a:t> 1001  0011  1011  0000 SF,ZF,CF,OF=1011</a:t>
-            </a:r>
-            <a:endParaRPr lang="zh-CN" altLang="en-US" dirty="0"/>
+              <a:t>0110  1100  0101  0000 	SF,ZF,CF,OF=0001</a:t>
+            </a:r>
           </a:p>
           <a:p>
             <a:endParaRPr lang="zh-CN" altLang="en-US" dirty="0"/>
@@ -7715,53 +7712,71 @@
           <a:lstStyle/>
           <a:p>
             <a:r>
-              <a:rPr lang="en-US" altLang="zh-CN"/>
+              <a:rPr lang="en-US" altLang="zh-CN" dirty="0"/>
               <a:t>6.11</a:t>
             </a:r>
           </a:p>
           <a:p>
-            <a:r>
-              <a:rPr lang="zh-CN" altLang="en-US"/>
+            <a:pPr marL="0" indent="0">
+              <a:buNone/>
+            </a:pPr>
+            <a:r>
+              <a:rPr lang="en-US" altLang="zh-CN" dirty="0"/>
+              <a:t>31 32 33 34 34 36 47 48</a:t>
+            </a:r>
+          </a:p>
+          <a:p>
+            <a:pPr marL="0" indent="0">
+              <a:buNone/>
+            </a:pPr>
+            <a:r>
+              <a:rPr lang="en-US" altLang="zh-CN" dirty="0"/>
+              <a:t>20 			     28</a:t>
+            </a:r>
+          </a:p>
+          <a:p>
+            <a:r>
+              <a:rPr lang="zh-CN" altLang="en-US" dirty="0"/>
               <a:t>（</a:t>
             </a:r>
             <a:r>
-              <a:rPr lang="en-US" altLang="zh-CN"/>
+              <a:rPr lang="en-US" altLang="zh-CN" dirty="0"/>
               <a:t>1</a:t>
             </a:r>
             <a:r>
-              <a:rPr lang="zh-CN" altLang="en-US"/>
+              <a:rPr lang="zh-CN" altLang="en-US" dirty="0"/>
               <a:t>）</a:t>
             </a:r>
             <a:r>
-              <a:rPr lang="en-US" altLang="zh-CN"/>
+              <a:rPr lang="en-US" altLang="zh-CN" dirty="0"/>
               <a:t>Data1</a:t>
             </a:r>
             <a:r>
-              <a:rPr lang="zh-CN" altLang="en-US"/>
+              <a:rPr lang="zh-CN" altLang="en-US" dirty="0"/>
               <a:t>是符号常量，没有偏移地址</a:t>
             </a:r>
           </a:p>
           <a:p>
             <a:r>
-              <a:rPr lang="zh-CN" altLang="en-US"/>
+              <a:rPr lang="zh-CN" altLang="en-US" dirty="0"/>
               <a:t>（</a:t>
             </a:r>
             <a:r>
-              <a:rPr lang="en-US" altLang="zh-CN"/>
+              <a:rPr lang="en-US" altLang="zh-CN" dirty="0"/>
               <a:t>2</a:t>
             </a:r>
             <a:r>
-              <a:rPr lang="zh-CN" altLang="en-US"/>
+              <a:rPr lang="zh-CN" altLang="en-US" dirty="0"/>
               <a:t>）</a:t>
             </a:r>
             <a:r>
-              <a:rPr lang="en-US" altLang="zh-CN"/>
+              <a:rPr lang="en-US" altLang="zh-CN" dirty="0"/>
               <a:t>Count=$-4=0028H-4=0024H.</a:t>
             </a:r>
           </a:p>
           <a:p>
             <a:r>
-              <a:rPr lang="zh-CN" altLang="en-US">
+              <a:rPr lang="zh-CN" altLang="en-US" dirty="0">
                 <a:solidFill>
                   <a:srgbClr val="FF0000"/>
                 </a:solidFill>
@@ -7770,7 +7785,7 @@
               <a:t>问题：</a:t>
             </a:r>
             <a:r>
-              <a:rPr lang="en-US" altLang="zh-CN">
+              <a:rPr lang="en-US" altLang="zh-CN" dirty="0">
                 <a:solidFill>
                   <a:srgbClr val="FF0000"/>
                 </a:solidFill>
@@ -7779,7 +7794,7 @@
               <a:t>data1</a:t>
             </a:r>
             <a:r>
-              <a:rPr lang="zh-CN" altLang="en-US">
+              <a:rPr lang="zh-CN" altLang="en-US" dirty="0">
                 <a:solidFill>
                   <a:srgbClr val="FF0000"/>
                 </a:solidFill>
@@ -7788,7 +7803,7 @@
               <a:t>是常量，如果</a:t>
             </a:r>
             <a:r>
-              <a:rPr lang="en-US" altLang="zh-CN">
+              <a:rPr lang="en-US" altLang="zh-CN" dirty="0">
                 <a:solidFill>
                   <a:srgbClr val="FF0000"/>
                 </a:solidFill>
@@ -7797,7 +7812,7 @@
               <a:t>offset data1</a:t>
             </a:r>
             <a:r>
-              <a:rPr lang="zh-CN" altLang="en-US">
+              <a:rPr lang="zh-CN" altLang="en-US" dirty="0">
                 <a:solidFill>
                   <a:srgbClr val="FF0000"/>
                 </a:solidFill>
@@ -7806,7 +7821,7 @@
               <a:t>，会有</a:t>
             </a:r>
             <a:r>
-              <a:rPr lang="en-US" altLang="zh-CN">
+              <a:rPr lang="en-US" altLang="zh-CN" dirty="0">
                 <a:solidFill>
                   <a:srgbClr val="FF0000"/>
                 </a:solidFill>
@@ -7815,7 +7830,7 @@
               <a:t>warning</a:t>
             </a:r>
             <a:r>
-              <a:rPr lang="zh-CN" altLang="en-US">
+              <a:rPr lang="zh-CN" altLang="en-US" dirty="0">
                 <a:solidFill>
                   <a:srgbClr val="FF0000"/>
                 </a:solidFill>
@@ -7824,7 +7839,7 @@
               <a:t>，对应立即数</a:t>
             </a:r>
             <a:r>
-              <a:rPr lang="en-US" altLang="zh-CN">
+              <a:rPr lang="en-US" altLang="zh-CN" dirty="0">
                 <a:solidFill>
                   <a:srgbClr val="FF0000"/>
                 </a:solidFill>
@@ -7832,7 +7847,7 @@
               </a:rPr>
               <a:t>4</a:t>
             </a:r>
-            <a:endParaRPr lang="zh-CN" altLang="en-US">
+            <a:endParaRPr lang="zh-CN" altLang="en-US" dirty="0">
               <a:solidFill>
                 <a:srgbClr val="FF0000"/>
               </a:solidFill>
@@ -7841,7 +7856,7 @@
           </a:p>
           <a:p>
             <a:r>
-              <a:rPr lang="zh-CN" altLang="en-US">
+              <a:rPr lang="zh-CN" altLang="en-US" dirty="0">
                 <a:solidFill>
                   <a:srgbClr val="FF0000"/>
                 </a:solidFill>
@@ -7850,7 +7865,7 @@
               <a:t>另外：汇编程序认为</a:t>
             </a:r>
             <a:r>
-              <a:rPr lang="en-US" altLang="zh-CN">
+              <a:rPr lang="en-US" altLang="zh-CN" dirty="0">
                 <a:solidFill>
                   <a:srgbClr val="FF0000"/>
                 </a:solidFill>
@@ -7859,7 +7874,7 @@
               <a:t>count</a:t>
             </a:r>
             <a:r>
-              <a:rPr lang="zh-CN" altLang="en-US">
+              <a:rPr lang="zh-CN" altLang="en-US" dirty="0">
                 <a:solidFill>
                   <a:srgbClr val="FF0000"/>
                 </a:solidFill>
@@ -7868,7 +7883,7 @@
               <a:t>是符号而不是常量，指向</a:t>
             </a:r>
             <a:r>
-              <a:rPr lang="en-US" altLang="zh-CN">
+              <a:rPr lang="en-US" altLang="zh-CN" dirty="0">
                 <a:solidFill>
                   <a:srgbClr val="FF0000"/>
                 </a:solidFill>
@@ -7877,7 +7892,7 @@
               <a:t>0024H</a:t>
             </a:r>
             <a:r>
-              <a:rPr lang="zh-CN" altLang="en-US">
+              <a:rPr lang="zh-CN" altLang="en-US" dirty="0">
                 <a:solidFill>
                   <a:srgbClr val="FF0000"/>
                 </a:solidFill>
@@ -7886,7 +7901,7 @@
               <a:t>内存单元。如果改成</a:t>
             </a:r>
             <a:r>
-              <a:rPr lang="en-US" altLang="zh-CN">
+              <a:rPr lang="en-US" altLang="zh-CN" dirty="0">
                 <a:solidFill>
                   <a:srgbClr val="FF0000"/>
                 </a:solidFill>
@@ -7895,7 +7910,7 @@
               <a:t>$-data3</a:t>
             </a:r>
             <a:r>
-              <a:rPr lang="zh-CN" altLang="en-US">
+              <a:rPr lang="zh-CN" altLang="en-US" dirty="0">
                 <a:solidFill>
                   <a:srgbClr val="FF0000"/>
                 </a:solidFill>
@@ -7904,7 +7919,7 @@
               <a:t>则为立即数</a:t>
             </a:r>
             <a:r>
-              <a:rPr lang="en-US" altLang="zh-CN">
+              <a:rPr lang="en-US" altLang="zh-CN" dirty="0">
                 <a:solidFill>
                   <a:srgbClr val="FF0000"/>
                 </a:solidFill>
@@ -7985,83 +8000,128 @@
           <a:lstStyle/>
           <a:p>
             <a:r>
-              <a:rPr lang="en-US" altLang="zh-CN"/>
+              <a:rPr lang="en-US" altLang="zh-CN" dirty="0"/>
               <a:t>7.1 </a:t>
             </a:r>
             <a:r>
-              <a:rPr lang="zh-CN" altLang="en-US"/>
+              <a:rPr lang="zh-CN" altLang="en-US" dirty="0"/>
               <a:t>指令填空</a:t>
             </a:r>
           </a:p>
           <a:p>
             <a:r>
-              <a:rPr lang="en-US" altLang="zh-CN"/>
+              <a:rPr lang="en-US" altLang="zh-CN" dirty="0"/>
               <a:t>       </a:t>
             </a:r>
             <a:r>
-              <a:rPr lang="zh-CN" altLang="en-US"/>
+              <a:rPr lang="zh-CN" altLang="en-US" dirty="0"/>
               <a:t>mov	al,x</a:t>
             </a:r>
           </a:p>
           <a:p>
             <a:r>
-              <a:rPr lang="zh-CN" altLang="en-US"/>
+              <a:rPr lang="zh-CN" altLang="en-US" dirty="0"/>
               <a:t>	mov	bl,y</a:t>
             </a:r>
           </a:p>
           <a:p>
             <a:r>
-              <a:rPr lang="zh-CN" altLang="en-US"/>
+              <a:rPr lang="zh-CN" altLang="en-US" dirty="0"/>
               <a:t>	mov	cl,z</a:t>
             </a:r>
           </a:p>
           <a:p>
             <a:r>
-              <a:rPr lang="zh-CN" altLang="en-US"/>
+              <a:rPr lang="zh-CN" altLang="en-US" dirty="0"/>
               <a:t>	cmp	al,bl</a:t>
             </a:r>
           </a:p>
           <a:p>
             <a:r>
-              <a:rPr lang="zh-CN" altLang="en-US"/>
+              <a:rPr lang="zh-CN" altLang="en-US" dirty="0"/>
               <a:t>	</a:t>
             </a:r>
             <a:r>
+              <a:rPr lang="zh-CN" altLang="en-US" b="1" dirty="0">
+                <a:solidFill>
+                  <a:srgbClr val="FF0000"/>
+                </a:solidFill>
+                <a:uFillTx/>
+              </a:rPr>
+              <a:t>j</a:t>
+            </a:r>
+            <a:r>
+              <a:rPr lang="en-US" altLang="zh-CN" b="1">
+                <a:solidFill>
+                  <a:srgbClr val="FF0000"/>
+                </a:solidFill>
+                <a:uFillTx/>
+              </a:rPr>
+              <a:t>l</a:t>
+            </a:r>
+            <a:r>
               <a:rPr lang="zh-CN" altLang="en-US" b="1">
                 <a:solidFill>
                   <a:srgbClr val="FF0000"/>
                 </a:solidFill>
                 <a:uFillTx/>
               </a:rPr>
-              <a:t>jbe	l1	;jbe应该也行</a:t>
-            </a:r>
-            <a:endParaRPr lang="zh-CN" altLang="en-US"/>
-          </a:p>
-          <a:p>
-            <a:r>
-              <a:rPr lang="zh-CN" altLang="en-US"/>
+              <a:t>e</a:t>
+            </a:r>
+            <a:r>
+              <a:rPr lang="zh-CN" altLang="en-US" b="1" dirty="0">
+                <a:solidFill>
+                  <a:srgbClr val="FF0000"/>
+                </a:solidFill>
+                <a:uFillTx/>
+              </a:rPr>
+              <a:t>	l1	;j</a:t>
+            </a:r>
+            <a:r>
+              <a:rPr lang="en-US" altLang="zh-CN" b="1" dirty="0">
+                <a:solidFill>
+                  <a:srgbClr val="FF0000"/>
+                </a:solidFill>
+                <a:uFillTx/>
+              </a:rPr>
+              <a:t>b</a:t>
+            </a:r>
+            <a:r>
+              <a:rPr lang="zh-CN" altLang="en-US" b="1" dirty="0">
+                <a:solidFill>
+                  <a:srgbClr val="FF0000"/>
+                </a:solidFill>
+                <a:uFillTx/>
+              </a:rPr>
+              <a:t>e应该也行</a:t>
+            </a:r>
+            <a:endParaRPr lang="zh-CN" altLang="en-US" dirty="0"/>
+          </a:p>
+          <a:p>
+            <a:r>
+              <a:rPr lang="zh-CN" altLang="en-US" dirty="0"/>
               <a:t>	xchg	al,bl</a:t>
             </a:r>
           </a:p>
           <a:p>
             <a:r>
-              <a:rPr lang="zh-CN" altLang="en-US"/>
+              <a:rPr lang="zh-CN" altLang="en-US" dirty="0"/>
               <a:t>l1:	cmp	al,cl</a:t>
             </a:r>
           </a:p>
           <a:p>
             <a:r>
-              <a:rPr lang="zh-CN" altLang="en-US"/>
+              <a:rPr lang="zh-CN" altLang="en-US" dirty="0"/>
               <a:t>	jle	l2</a:t>
             </a:r>
           </a:p>
           <a:p>
             <a:r>
-              <a:rPr lang="zh-CN" altLang="en-US"/>
+              <a:rPr lang="zh-CN" altLang="en-US" dirty="0"/>
               <a:t>	</a:t>
             </a:r>
             <a:r>
-              <a:rPr lang="zh-CN" altLang="en-US" b="1">
+              <a:rPr lang="zh-CN" altLang="en-US" b="1" dirty="0">
                 <a:solidFill>
                   <a:srgbClr val="FF0000"/>
                 </a:solidFill>
@@ -8160,9 +8220,20 @@
             </a:r>
             <a:r>
               <a:rPr lang="zh-CN" altLang="en-US" sz="2300" dirty="0"/>
-              <a:t>位补码计算</a:t>
-            </a:r>
-            <a:endParaRPr lang="en-US" altLang="zh-CN" sz="2300" dirty="0"/>
+              <a:t>位补码计算 </a:t>
+            </a:r>
+            <a:r>
+              <a:rPr lang="en-US" altLang="zh-CN" sz="2300" dirty="0"/>
+              <a:t>85=64+16+4+1</a:t>
+            </a:r>
+            <a:r>
+              <a:rPr lang="zh-CN" altLang="en-US" sz="2300" dirty="0"/>
+              <a:t>；</a:t>
+            </a:r>
+            <a:r>
+              <a:rPr lang="en-US" altLang="zh-CN" sz="2300" dirty="0"/>
+              <a:t>69=64+4+1</a:t>
+            </a:r>
           </a:p>
           <a:p>
             <a:r>
@@ -8188,13 +8259,16 @@
             </a:pPr>
             <a:r>
               <a:rPr lang="en-US" altLang="zh-CN" sz="2300" dirty="0"/>
-              <a:t>		+0100 0101=1001 1010=[-01100110B]</a:t>
+              <a:t>		+0100 0101=1001 1010=[-0110 0110B]</a:t>
             </a:r>
             <a:r>
               <a:rPr lang="zh-CN" altLang="en-US" sz="2300" dirty="0"/>
               <a:t>补</a:t>
             </a:r>
-            <a:endParaRPr lang="en-US" altLang="zh-CN" sz="2300" dirty="0"/>
+            <a:r>
+              <a:rPr lang="en-US" altLang="zh-CN" sz="2300" dirty="0"/>
+              <a:t>=-(6*16+6)</a:t>
+            </a:r>
           </a:p>
           <a:p>
             <a:r>
@@ -8295,7 +8369,19 @@
             </a:pPr>
             <a:r>
               <a:rPr lang="en-US" altLang="zh-CN" sz="2300" dirty="0"/>
-              <a:t>		    +1011 1011=10001 0000B=16,</a:t>
+              <a:t>		    +1011 1011=</a:t>
+            </a:r>
+            <a:r>
+              <a:rPr lang="en-US" altLang="zh-CN" sz="2300" dirty="0">
+                <a:solidFill>
+                  <a:srgbClr val="FF0000"/>
+                </a:solidFill>
+              </a:rPr>
+              <a:t>1</a:t>
+            </a:r>
+            <a:r>
+              <a:rPr lang="en-US" altLang="zh-CN" sz="2300" dirty="0"/>
+              <a:t>0001 0000B=16,</a:t>
             </a:r>
           </a:p>
           <a:p>
@@ -8328,7 +8414,19 @@
             </a:pPr>
             <a:r>
               <a:rPr lang="en-US" altLang="zh-CN" sz="2300" dirty="0"/>
-              <a:t>		   -(1011 1011)=1 1001 1010=[-0110 0110B]</a:t>
+              <a:t>		   -(1011 1011)=</a:t>
+            </a:r>
+            <a:r>
+              <a:rPr lang="en-US" altLang="zh-CN" sz="2300" dirty="0">
+                <a:solidFill>
+                  <a:srgbClr val="FF0000"/>
+                </a:solidFill>
+              </a:rPr>
+              <a:t>1</a:t>
+            </a:r>
+            <a:r>
+              <a:rPr lang="en-US" altLang="zh-CN" sz="2300" dirty="0"/>
+              <a:t> 1001 1010=[-0110 0110B]</a:t>
             </a:r>
             <a:r>
               <a:rPr lang="zh-CN" altLang="en-US" sz="2300" dirty="0"/>
@@ -8688,10 +8786,15 @@
             <p:ph idx="1"/>
           </p:nvPr>
         </p:nvSpPr>
-        <p:spPr/>
+        <p:spPr>
+          <a:xfrm>
+            <a:off x="251520" y="980728"/>
+            <a:ext cx="8892480" cy="5760640"/>
+          </a:xfrm>
+        </p:spPr>
         <p:txBody>
           <a:bodyPr>
-            <a:normAutofit lnSpcReduction="10000"/>
+            <a:normAutofit fontScale="92500" lnSpcReduction="10000"/>
           </a:bodyPr>
           <a:lstStyle/>
           <a:p>
@@ -8736,11 +8839,11 @@
             </a:r>
             <a:r>
               <a:rPr lang="zh-CN" altLang="en-US" sz="2000" dirty="0"/>
-              <a:t>，即</a:t>
+              <a:t>，</a:t>
             </a:r>
             <a:r>
               <a:rPr lang="en-US" altLang="zh-CN" sz="2000" dirty="0"/>
-              <a:t>154</a:t>
+              <a:t>9*16+10=154</a:t>
             </a:r>
             <a:r>
               <a:rPr lang="zh-CN" altLang="en-US" sz="2000" dirty="0"/>
@@ -8796,7 +8899,19 @@
           <a:p>
             <a:r>
               <a:rPr lang="en-US" altLang="zh-CN" sz="2000" dirty="0"/>
-              <a:t>=1 0000 0000 0001 0000B=0010H=16,of=0,cf=1</a:t>
+              <a:t>=</a:t>
+            </a:r>
+            <a:r>
+              <a:rPr lang="en-US" altLang="zh-CN" sz="2000" dirty="0">
+                <a:solidFill>
+                  <a:srgbClr val="FF0000"/>
+                </a:solidFill>
+              </a:rPr>
+              <a:t>1</a:t>
+            </a:r>
+            <a:r>
+              <a:rPr lang="en-US" altLang="zh-CN" sz="2000" dirty="0"/>
+              <a:t> 0000 0000 0001 0000B=0010H=16,of=0,cf=1</a:t>
             </a:r>
           </a:p>
           <a:p>
@@ -8832,7 +8947,19 @@
           <a:p>
             <a:r>
               <a:rPr lang="en-US" altLang="zh-CN" sz="2000" dirty="0"/>
-              <a:t>=1 0000 0000 1001 1010B=009AH</a:t>
+              <a:t>=</a:t>
+            </a:r>
+            <a:r>
+              <a:rPr lang="en-US" altLang="zh-CN" sz="2000" dirty="0">
+                <a:solidFill>
+                  <a:srgbClr val="FF0000"/>
+                </a:solidFill>
+              </a:rPr>
+              <a:t>1</a:t>
+            </a:r>
+            <a:r>
+              <a:rPr lang="en-US" altLang="zh-CN" sz="2000" dirty="0"/>
+              <a:t> 0000 0000 1001 1010B=009AH</a:t>
             </a:r>
             <a:r>
               <a:rPr lang="zh-CN" altLang="en-US" sz="2000" dirty="0"/>
@@ -9022,13 +9149,13 @@
         <p:spPr/>
         <p:txBody>
           <a:bodyPr>
-            <a:normAutofit fontScale="90000"/>
+            <a:normAutofit fontScale="90000" lnSpcReduction="10000"/>
           </a:bodyPr>
           <a:lstStyle/>
           <a:p>
             <a:r>
               <a:rPr lang="en-US" altLang="zh-CN" dirty="0"/>
-              <a:t>2.6 0001:IP=0001:0~0001:FFFFH=00010H~1000FH</a:t>
+              <a:t>2.6 0001:IP=0001:0 ~ 0001:FFFFH=00010H ~ 1000FH</a:t>
             </a:r>
           </a:p>
           <a:p>
@@ -9076,7 +9203,7 @@
             </a:r>
             <a:r>
               <a:rPr lang="en-US" altLang="zh-CN" dirty="0"/>
-              <a:t>SA*10H=20000H-FFFFH=10001</a:t>
+              <a:t>SA*10H=20000H-FFFFH=10001H</a:t>
             </a:r>
           </a:p>
           <a:p>
@@ -9086,7 +9213,15 @@
             </a:r>
             <a:r>
               <a:rPr lang="en-US" altLang="zh-CN" dirty="0"/>
-              <a:t>SA=10001H/10H+1=1001H,</a:t>
+              <a:t>SA=(10001H/10H)</a:t>
+            </a:r>
+            <a:r>
+              <a:rPr lang="zh-CN" altLang="en-US" dirty="0"/>
+              <a:t>向上取整</a:t>
+            </a:r>
+            <a:r>
+              <a:rPr lang="en-US" altLang="zh-CN" dirty="0"/>
+              <a:t>=1001H,</a:t>
             </a:r>
             <a:r>
               <a:rPr lang="zh-CN" altLang="en-US" dirty="0"/>
@@ -9164,7 +9299,15 @@
           <a:p>
             <a:r>
               <a:rPr lang="en-US" altLang="zh-CN" dirty="0"/>
-              <a:t>SA=(52506H-FFFFH)/10H+1=4250H+1=4251H,</a:t>
+              <a:t>SA=((52506H-FFFFH)/10H)</a:t>
+            </a:r>
+            <a:r>
+              <a:rPr lang="zh-CN" altLang="en-US" dirty="0"/>
+              <a:t>向上取整</a:t>
+            </a:r>
+            <a:r>
+              <a:rPr lang="en-US" altLang="zh-CN" dirty="0"/>
+              <a:t>=42507H/10H=4251H,</a:t>
             </a:r>
             <a:r>
               <a:rPr lang="zh-CN" altLang="en-US" dirty="0"/>
@@ -9568,7 +9711,7 @@
         <p:spPr/>
         <p:txBody>
           <a:bodyPr>
-            <a:normAutofit fontScale="85000" lnSpcReduction="20000"/>
+            <a:normAutofit fontScale="77500" lnSpcReduction="20000"/>
           </a:bodyPr>
           <a:lstStyle/>
           <a:p>
@@ -9753,7 +9896,23 @@
             </a:r>
             <a:r>
               <a:rPr lang="zh-CN" altLang="en-US" dirty="0"/>
-              <a:t>）程序功能：将一个提示字符串显示在屏幕上</a:t>
+              <a:t>）程序功能：将一个（</a:t>
+            </a:r>
+            <a:r>
+              <a:rPr lang="en-US" altLang="zh-CN" dirty="0"/>
+              <a:t>[DS:DX] </a:t>
+            </a:r>
+            <a:r>
+              <a:rPr lang="zh-CN" altLang="en-US" dirty="0"/>
+              <a:t>为起始地址，</a:t>
+            </a:r>
+            <a:r>
+              <a:rPr lang="en-US" altLang="zh-CN" dirty="0"/>
+              <a:t>$</a:t>
+            </a:r>
+            <a:r>
+              <a:rPr lang="zh-CN" altLang="en-US" dirty="0"/>
+              <a:t>结尾的）字符串显示在屏幕上</a:t>
             </a:r>
             <a:endParaRPr lang="en-US" altLang="zh-CN" dirty="0"/>
           </a:p>
@@ -9874,7 +10033,7 @@
             </a:r>
             <a:r>
               <a:rPr lang="zh-CN" altLang="en-US" dirty="0"/>
-              <a:t>（</a:t>
+              <a:t>（或</a:t>
             </a:r>
             <a:r>
               <a:rPr lang="en-US" altLang="zh-CN" dirty="0"/>
@@ -10466,7 +10625,7 @@
             </a:r>
             <a:r>
               <a:rPr lang="en-US" altLang="zh-CN" sz="2400" dirty="0"/>
-              <a:t>			MOV AX,[BX]</a:t>
+              <a:t>		MOV AX,[BX]</a:t>
             </a:r>
           </a:p>
           <a:p>
@@ -10528,7 +10687,19 @@
             </a:r>
             <a:r>
               <a:rPr lang="en-US" altLang="zh-CN" sz="2400" dirty="0"/>
-              <a:t>=44000H+652AH=4A52AH</a:t>
+              <a:t>=</a:t>
+            </a:r>
+            <a:r>
+              <a:rPr lang="en-US" altLang="zh-CN" sz="2400" dirty="0">
+                <a:solidFill>
+                  <a:srgbClr val="FF0000"/>
+                </a:solidFill>
+              </a:rPr>
+              <a:t>44000</a:t>
+            </a:r>
+            <a:r>
+              <a:rPr lang="en-US" altLang="zh-CN" sz="2400" dirty="0"/>
+              <a:t>H+652AH=4A52AH</a:t>
             </a:r>
           </a:p>
           <a:p>
@@ -10653,7 +10824,7 @@
             </a:r>
             <a:r>
               <a:rPr lang="en-US" altLang="zh-CN" sz="2400" dirty="0"/>
-              <a:t>			MOV AX,[BX][SI]</a:t>
+              <a:t>		MOV AX,[BX][SI]</a:t>
             </a:r>
           </a:p>
           <a:p>
@@ -10675,6 +10846,23 @@
             </a:r>
           </a:p>
           <a:p>
+            <a:pPr marL="342900" marR="0" lvl="0" indent="-342900" algn="l" defTabSz="914400" rtl="0" eaLnBrk="1" fontAlgn="auto" latinLnBrk="0" hangingPunct="1">
+              <a:lnSpc>
+                <a:spcPct val="100000"/>
+              </a:lnSpc>
+              <a:spcBef>
+                <a:spcPct val="20000"/>
+              </a:spcBef>
+              <a:spcAft>
+                <a:spcPts val="0"/>
+              </a:spcAft>
+              <a:buClrTx/>
+              <a:buSzTx/>
+              <a:buFont typeface="Arial" panose="020B0604020202020204" pitchFamily="34" charset="0"/>
+              <a:buChar char="•"/>
+              <a:tabLst/>
+              <a:defRPr/>
+            </a:pPr>
             <a:r>
               <a:rPr lang="zh-CN" altLang="en-US" sz="2400" dirty="0">
                 <a:solidFill>
@@ -10698,6 +10886,31 @@
                 </a:solidFill>
               </a:rPr>
               <a:t>的，也行：</a:t>
+            </a:r>
+            <a:r>
+              <a:rPr lang="en-US" altLang="zh-CN" sz="2400" dirty="0">
+                <a:solidFill>
+                  <a:srgbClr val="FF0000"/>
+                </a:solidFill>
+              </a:rPr>
+              <a:t>	</a:t>
+            </a:r>
+            <a:r>
+              <a:rPr kumimoji="0" lang="en-US" altLang="zh-CN" sz="2500" b="0" i="0" u="none" strike="noStrike" kern="1200" cap="none" spc="0" normalizeH="0" baseline="0" noProof="0" dirty="0">
+                <a:ln>
+                  <a:noFill/>
+                </a:ln>
+                <a:solidFill>
+                  <a:prstClr val="black"/>
+                </a:solidFill>
+                <a:effectLst/>
+                <a:uLnTx/>
+                <a:uFillTx/>
+                <a:latin typeface="Calibri"/>
+                <a:ea typeface="宋体" panose="02010600030101010101" pitchFamily="2" charset="-122"/>
+                <a:cs typeface="+mn-cs"/>
+              </a:rPr>
+              <a:t>MOV AX,[BP][SI]</a:t>
             </a:r>
             <a:endParaRPr lang="en-US" altLang="zh-CN" sz="2400" dirty="0">
               <a:solidFill>
@@ -10720,7 +10933,19 @@
             </a:r>
             <a:r>
               <a:rPr lang="en-US" altLang="zh-CN" sz="2400" dirty="0"/>
-              <a:t>=44000H+ 8A06H =4CA06H</a:t>
+              <a:t>=</a:t>
+            </a:r>
+            <a:r>
+              <a:rPr lang="en-US" altLang="zh-CN" sz="2400" dirty="0">
+                <a:solidFill>
+                  <a:srgbClr val="FF0000"/>
+                </a:solidFill>
+              </a:rPr>
+              <a:t>44000</a:t>
+            </a:r>
+            <a:r>
+              <a:rPr lang="en-US" altLang="zh-CN" sz="2400" dirty="0"/>
+              <a:t>H+ 8A06H =4CA06H</a:t>
             </a:r>
           </a:p>
           <a:p>
@@ -10752,14 +10977,7 @@
             </a:r>
             <a:r>
               <a:rPr lang="zh-CN" altLang="en-US" sz="2400" dirty="0"/>
-              <a:t>；</a:t>
-            </a:r>
-            <a:endParaRPr lang="en-US" altLang="zh-CN" sz="2400" dirty="0"/>
-          </a:p>
-          <a:p>
-            <a:r>
-              <a:rPr lang="zh-CN" altLang="en-US" sz="2400" dirty="0"/>
-              <a:t>物理地址</a:t>
+              <a:t>；物理地址</a:t>
             </a:r>
             <a:r>
               <a:rPr lang="en-US" altLang="zh-CN" sz="2400" dirty="0"/>
@@ -10768,15 +10986,59 @@
           </a:p>
           <a:p>
             <a:r>
-              <a:rPr lang="zh-CN" altLang="en-US" sz="2400" b="1" dirty="0">
-                <a:solidFill>
-                  <a:srgbClr val="FF0000"/>
-                </a:solidFill>
-                <a:sym typeface="+mn-ea"/>
-              </a:rPr>
-              <a:t>问题：有人按十进制计算。</a:t>
-            </a:r>
-            <a:endParaRPr lang="en-US" altLang="zh-CN" sz="2400" dirty="0"/>
+              <a:rPr lang="zh-CN" altLang="en-US" sz="2400" dirty="0">
+                <a:solidFill>
+                  <a:srgbClr val="FF0000"/>
+                </a:solidFill>
+              </a:rPr>
+              <a:t>问题：有使用</a:t>
+            </a:r>
+            <a:r>
+              <a:rPr lang="en-US" altLang="zh-CN" sz="2400" dirty="0">
+                <a:solidFill>
+                  <a:srgbClr val="FF0000"/>
+                </a:solidFill>
+              </a:rPr>
+              <a:t>BP</a:t>
+            </a:r>
+            <a:r>
+              <a:rPr lang="zh-CN" altLang="en-US" sz="2400" dirty="0">
+                <a:solidFill>
+                  <a:srgbClr val="FF0000"/>
+                </a:solidFill>
+              </a:rPr>
+              <a:t>的，也行：</a:t>
+            </a:r>
+            <a:r>
+              <a:rPr lang="en-US" altLang="zh-CN" sz="2400" dirty="0">
+                <a:solidFill>
+                  <a:srgbClr val="FF0000"/>
+                </a:solidFill>
+              </a:rPr>
+              <a:t>	</a:t>
+            </a:r>
+            <a:r>
+              <a:rPr lang="en-US" altLang="zh-CN" sz="2400" dirty="0"/>
+              <a:t>MOV AX,D[BP][SI]</a:t>
+            </a:r>
+          </a:p>
+          <a:p>
+            <a:r>
+              <a:rPr lang="zh-CN" altLang="en-US" sz="2400" dirty="0"/>
+              <a:t>有效地址</a:t>
+            </a:r>
+            <a:r>
+              <a:rPr lang="en-US" altLang="zh-CN" sz="2400" dirty="0"/>
+              <a:t>=463DH+2006H+4524H=AB67H</a:t>
+            </a:r>
+            <a:r>
+              <a:rPr lang="zh-CN" altLang="en-US" sz="2400" dirty="0"/>
+              <a:t>；物理地址</a:t>
+            </a:r>
+            <a:r>
+              <a:rPr lang="en-US" altLang="zh-CN" sz="2400" dirty="0"/>
+              <a:t>=44000H+AB67H=4EB67H</a:t>
+            </a:r>
           </a:p>
           <a:p>
             <a:endParaRPr lang="zh-CN" altLang="en-US" sz="2400" dirty="0"/>
